--- a/java8/java8-examples/Project1/java8-slides.pptx
+++ b/java8/java8-examples/Project1/java8-slides.pptx
@@ -366,7 +366,7 @@
           <a:p>
             <a:fld id="{1D8BD707-D9CF-40AE-B4C6-C98DA3205C09}" type="datetimeFigureOut">
               <a:rPr lang="en-US"/>
-              <a:t>3/9/2021</a:t>
+              <a:t>4/26/2021</a:t>
             </a:fld>
             <a:endParaRPr lang="en-US"/>
           </a:p>
@@ -552,7 +552,7 @@
           <a:p>
             <a:fld id="{1D8BD707-D9CF-40AE-B4C6-C98DA3205C09}" type="datetimeFigureOut">
               <a:rPr lang="en-US"/>
-              <a:t>3/9/2021</a:t>
+              <a:t>4/26/2021</a:t>
             </a:fld>
             <a:endParaRPr lang="en-US"/>
           </a:p>
@@ -775,7 +775,7 @@
           <a:p>
             <a:fld id="{1D8BD707-D9CF-40AE-B4C6-C98DA3205C09}" type="datetimeFigureOut">
               <a:rPr lang="en-US"/>
-              <a:t>3/9/2021</a:t>
+              <a:t>4/26/2021</a:t>
             </a:fld>
             <a:endParaRPr lang="en-US"/>
           </a:p>
@@ -932,7 +932,7 @@
           <a:p>
             <a:fld id="{1D8BD707-D9CF-40AE-B4C6-C98DA3205C09}" type="datetimeFigureOut">
               <a:rPr lang="en-US"/>
-              <a:t>3/9/2021</a:t>
+              <a:t>4/26/2021</a:t>
             </a:fld>
             <a:endParaRPr lang="en-US"/>
           </a:p>
@@ -1060,7 +1060,7 @@
           <a:p>
             <a:fld id="{1D8BD707-D9CF-40AE-B4C6-C98DA3205C09}" type="datetimeFigureOut">
               <a:rPr lang="en-US"/>
-              <a:t>3/9/2021</a:t>
+              <a:t>4/26/2021</a:t>
             </a:fld>
             <a:endParaRPr lang="en-US"/>
           </a:p>
@@ -1323,7 +1323,7 @@
           <a:p>
             <a:fld id="{1D8BD707-D9CF-40AE-B4C6-C98DA3205C09}" type="datetimeFigureOut">
               <a:rPr lang="en-US"/>
-              <a:t>3/9/2021</a:t>
+              <a:t>4/26/2021</a:t>
             </a:fld>
             <a:endParaRPr lang="en-US"/>
           </a:p>
@@ -4564,7 +4564,7 @@
               </a:rPr>
               <a:t>punctual?</a:t>
             </a:r>
-            <a:endParaRPr sz="3600">
+            <a:endParaRPr sz="3600" dirty="0">
               <a:latin typeface="Verdana"/>
               <a:cs typeface="Verdana"/>
             </a:endParaRPr>
@@ -4575,7 +4575,7 @@
                 <a:spcPct val="100000"/>
               </a:lnSpc>
             </a:pPr>
-            <a:endParaRPr sz="3850">
+            <a:endParaRPr sz="3850" dirty="0">
               <a:latin typeface="Verdana"/>
               <a:cs typeface="Verdana"/>
             </a:endParaRPr>
@@ -4617,14 +4617,34 @@
               <a:t> </a:t>
             </a:r>
             <a:r>
-              <a:rPr sz="3600" spc="245" dirty="0">
-                <a:solidFill>
-                  <a:srgbClr val="FFFFFF"/>
-                </a:solidFill>
-                <a:latin typeface="Verdana"/>
-                <a:cs typeface="Verdana"/>
-              </a:rPr>
-              <a:t>communicative?</a:t>
+              <a:rPr sz="3600" spc="245" dirty="0" err="1">
+                <a:solidFill>
+                  <a:srgbClr val="FFFFFF"/>
+                </a:solidFill>
+                <a:latin typeface="Verdana"/>
+                <a:cs typeface="Verdana"/>
+              </a:rPr>
+              <a:t>communicat</a:t>
+            </a:r>
+            <a:r>
+              <a:rPr lang="en-IN" sz="3600" spc="245">
+                <a:solidFill>
+                  <a:srgbClr val="FFFFFF"/>
+                </a:solidFill>
+                <a:latin typeface="Verdana"/>
+                <a:cs typeface="Verdana"/>
+              </a:rPr>
+              <a:t>e</a:t>
+            </a:r>
+            <a:r>
+              <a:rPr sz="3600" spc="245">
+                <a:solidFill>
+                  <a:srgbClr val="FFFFFF"/>
+                </a:solidFill>
+                <a:latin typeface="Verdana"/>
+                <a:cs typeface="Verdana"/>
+              </a:rPr>
+              <a:t>?</a:t>
             </a:r>
             <a:endParaRPr sz="3600">
               <a:latin typeface="Verdana"/>
